--- a/decision_trees/mpti/decision_trees_part_2_up_25DEC2018.pptx
+++ b/decision_trees/mpti/decision_trees_part_2_up_25DEC2018.pptx
@@ -222,7 +222,7 @@
           <a:p>
             <a:fld id="{F9D86B32-7720-4E33-AEC2-2812AF876771}" type="datetimeFigureOut">
               <a:rPr lang="ru-RU" smtClean="0"/>
-              <a:t>26.12.2018</a:t>
+              <a:t>14.01.2019</a:t>
             </a:fld>
             <a:endParaRPr lang="ru-RU"/>
           </a:p>
@@ -1245,7 +1245,7 @@
           <a:p>
             <a:fld id="{44848DE1-8FDF-4BCB-A3B7-6F8759560322}" type="datetime1">
               <a:rPr lang="ru-RU" smtClean="0"/>
-              <a:t>26.12.2018</a:t>
+              <a:t>14.01.2019</a:t>
             </a:fld>
             <a:endParaRPr lang="ru-RU"/>
           </a:p>
@@ -1468,7 +1468,7 @@
           <a:p>
             <a:fld id="{6AF025C1-72CB-4A1F-A8AC-B45C976D14DA}" type="datetime1">
               <a:rPr lang="ru-RU" smtClean="0"/>
-              <a:t>26.12.2018</a:t>
+              <a:t>14.01.2019</a:t>
             </a:fld>
             <a:endParaRPr lang="ru-RU"/>
           </a:p>
@@ -1748,7 +1748,7 @@
           <a:p>
             <a:fld id="{6771165C-13C9-4C27-A82E-E3C6741693A8}" type="datetime1">
               <a:rPr lang="ru-RU" smtClean="0"/>
-              <a:t>26.12.2018</a:t>
+              <a:t>14.01.2019</a:t>
             </a:fld>
             <a:endParaRPr lang="ru-RU"/>
           </a:p>
@@ -1927,7 +1927,7 @@
           <a:p>
             <a:fld id="{45C6D225-7630-400E-9350-F5D70BD70F68}" type="datetime1">
               <a:rPr lang="ru-RU" smtClean="0"/>
-              <a:t>26.12.2018</a:t>
+              <a:t>14.01.2019</a:t>
             </a:fld>
             <a:endParaRPr lang="ru-RU"/>
           </a:p>
@@ -2285,7 +2285,7 @@
           <a:p>
             <a:fld id="{25C0BE65-D3BA-4FA0-8125-6B380BF223DC}" type="datetime1">
               <a:rPr lang="ru-RU" smtClean="0"/>
-              <a:t>26.12.2018</a:t>
+              <a:t>14.01.2019</a:t>
             </a:fld>
             <a:endParaRPr lang="ru-RU"/>
           </a:p>
@@ -2572,7 +2572,7 @@
           <a:p>
             <a:fld id="{709E2707-F769-4C43-8952-AC653C0BDDA6}" type="datetime1">
               <a:rPr lang="ru-RU" smtClean="0"/>
-              <a:t>26.12.2018</a:t>
+              <a:t>14.01.2019</a:t>
             </a:fld>
             <a:endParaRPr lang="ru-RU"/>
           </a:p>
@@ -2994,7 +2994,7 @@
           <a:p>
             <a:fld id="{687FF384-C075-44CC-8D23-746DFC5DBF55}" type="datetime1">
               <a:rPr lang="ru-RU" smtClean="0"/>
-              <a:t>26.12.2018</a:t>
+              <a:t>14.01.2019</a:t>
             </a:fld>
             <a:endParaRPr lang="ru-RU"/>
           </a:p>
@@ -3109,7 +3109,7 @@
           <a:p>
             <a:fld id="{99AEE0FD-1E0F-4668-BFC0-E7FE22CF2AD9}" type="datetime1">
               <a:rPr lang="ru-RU" smtClean="0"/>
-              <a:t>26.12.2018</a:t>
+              <a:t>14.01.2019</a:t>
             </a:fld>
             <a:endParaRPr lang="ru-RU"/>
           </a:p>
@@ -3199,7 +3199,7 @@
           <a:p>
             <a:fld id="{BD672CC7-CBE4-47AB-80F7-E5752325A98D}" type="datetime1">
               <a:rPr lang="ru-RU" smtClean="0"/>
-              <a:t>26.12.2018</a:t>
+              <a:t>14.01.2019</a:t>
             </a:fld>
             <a:endParaRPr lang="ru-RU"/>
           </a:p>
@@ -3477,7 +3477,7 @@
           <a:p>
             <a:fld id="{D63628FB-F08E-474D-B17D-BA9FC5E2F0AD}" type="datetime1">
               <a:rPr lang="ru-RU" smtClean="0"/>
-              <a:t>26.12.2018</a:t>
+              <a:t>14.01.2019</a:t>
             </a:fld>
             <a:endParaRPr lang="ru-RU"/>
           </a:p>
@@ -3843,7 +3843,7 @@
           <a:p>
             <a:fld id="{A0389193-55B4-4083-9191-162D1608658B}" type="datetime1">
               <a:rPr lang="ru-RU" smtClean="0"/>
-              <a:t>26.12.2018</a:t>
+              <a:t>14.01.2019</a:t>
             </a:fld>
             <a:endParaRPr lang="ru-RU"/>
           </a:p>
@@ -4280,7 +4280,7 @@
           <a:p>
             <a:fld id="{817E02B0-0265-49A4-BCE2-6B79637AD387}" type="datetime1">
               <a:rPr lang="ru-RU" smtClean="0"/>
-              <a:t>26.12.2018</a:t>
+              <a:t>14.01.2019</a:t>
             </a:fld>
             <a:endParaRPr lang="ru-RU"/>
           </a:p>
@@ -4749,11 +4749,7 @@
             </a:r>
             <a:r>
               <a:rPr lang="en-US" sz="2000" smtClean="0"/>
-              <a:t>Part </a:t>
-            </a:r>
-            <a:r>
-              <a:rPr lang="en-US" sz="2000" smtClean="0"/>
-              <a:t>II/III)</a:t>
+              <a:t>Part II/III)</a:t>
             </a:r>
             <a:r>
               <a:rPr lang="en-US" sz="2000" dirty="0" smtClean="0"/>
@@ -5460,8 +5456,8 @@
           </a:p>
         </p:txBody>
       </p:sp>
-      <mc:AlternateContent xmlns:mc="http://schemas.openxmlformats.org/markup-compatibility/2006" xmlns:a14="http://schemas.microsoft.com/office/drawing/2010/main">
-        <mc:Choice Requires="a14">
+      <mc:AlternateContent xmlns:mc="http://schemas.openxmlformats.org/markup-compatibility/2006">
+        <mc:Choice xmlns:a14="http://schemas.microsoft.com/office/drawing/2010/main" Requires="a14">
           <p:sp>
             <p:nvSpPr>
               <p:cNvPr id="3" name="Объект 2"/>
@@ -5513,11 +5509,11 @@
                   <a:t>Goal is improve </a:t>
                 </a:r>
                 <a:r>
-                  <a:rPr lang="en-US" dirty="0" err="1" smtClean="0"/>
+                  <a:rPr lang="en-US" dirty="0" err="1"/>
                   <a:t>behaviour</a:t>
                 </a:r>
                 <a:r>
-                  <a:rPr lang="en-US" dirty="0" smtClean="0"/>
+                  <a:rPr lang="en-US" dirty="0"/>
                   <a:t> of </a:t>
                 </a:r>
                 <a:r>
@@ -5910,7 +5906,7 @@
             </p:txBody>
           </p:sp>
         </mc:Choice>
-        <mc:Fallback xmlns="">
+        <mc:Fallback>
           <p:sp>
             <p:nvSpPr>
               <p:cNvPr id="3" name="Объект 2"/>
@@ -10153,12 +10149,12 @@
               <a:t>So </a:t>
             </a:r>
             <a:r>
-              <a:rPr lang="en-US" dirty="0" err="1" smtClean="0"/>
-              <a:t>particulary</a:t>
+              <a:rPr lang="en-US" dirty="0"/>
+              <a:t>particularly for </a:t>
             </a:r>
             <a:r>
               <a:rPr lang="en-US" dirty="0" smtClean="0"/>
-              <a:t> for tree’s “</a:t>
+              <a:t>tree’s “</a:t>
             </a:r>
             <a:r>
               <a:rPr lang="en-US" i="1" dirty="0" smtClean="0"/>
@@ -13784,12 +13780,12 @@
               <a:t>But main </a:t>
             </a:r>
             <a:r>
-              <a:rPr lang="en-US" dirty="0" err="1" smtClean="0"/>
-              <a:t>concurent</a:t>
+              <a:rPr lang="en-US" dirty="0"/>
+              <a:t>competitor </a:t>
             </a:r>
             <a:r>
               <a:rPr lang="en-US" dirty="0" smtClean="0"/>
-              <a:t> is </a:t>
+              <a:t>which is </a:t>
             </a:r>
             <a:r>
               <a:rPr lang="en-US" i="1" dirty="0" smtClean="0"/>
@@ -13812,7 +13808,11 @@
             </a:pPr>
             <a:r>
               <a:rPr lang="en-US" dirty="0" smtClean="0"/>
-              <a:t>If you’re interesting </a:t>
+              <a:t>(If </a:t>
+            </a:r>
+            <a:r>
+              <a:rPr lang="en-US" dirty="0" smtClean="0"/>
+              <a:t>you’re interesting </a:t>
             </a:r>
             <a:r>
               <a:rPr lang="en-US" dirty="0"/>
@@ -13823,21 +13823,26 @@
               <a:t>interpretability here a short note about several </a:t>
             </a:r>
             <a:r>
-              <a:rPr lang="en-US" dirty="0" err="1" smtClean="0"/>
-              <a:t>schemans</a:t>
-            </a:r>
-            <a:r>
               <a:rPr lang="en-US" dirty="0" smtClean="0"/>
-              <a:t> to </a:t>
-            </a:r>
-            <a:r>
-              <a:rPr lang="en-US" dirty="0" err="1" smtClean="0"/>
-              <a:t>interpretate</a:t>
+              <a:t>schemas </a:t>
             </a:r>
             <a:r>
               <a:rPr lang="en-US" dirty="0" smtClean="0"/>
-              <a:t> black-box models in AI/ML [8]</a:t>
-            </a:r>
+              <a:t>to </a:t>
+            </a:r>
+            <a:r>
+              <a:rPr lang="en-US" dirty="0"/>
+              <a:t>interpret black-box </a:t>
+            </a:r>
+            <a:r>
+              <a:rPr lang="en-US" dirty="0" smtClean="0"/>
+              <a:t>models in AI/ML [8</a:t>
+            </a:r>
+            <a:r>
+              <a:rPr lang="en-US" dirty="0" smtClean="0"/>
+              <a:t>])</a:t>
+            </a:r>
+            <a:endParaRPr lang="en-US" dirty="0" smtClean="0"/>
           </a:p>
         </p:txBody>
       </p:sp>
@@ -13919,8 +13924,8 @@
           </a:p>
         </p:txBody>
       </p:sp>
-      <mc:AlternateContent xmlns:mc="http://schemas.openxmlformats.org/markup-compatibility/2006" xmlns:a14="http://schemas.microsoft.com/office/drawing/2010/main">
-        <mc:Choice Requires="a14">
+      <mc:AlternateContent xmlns:mc="http://schemas.openxmlformats.org/markup-compatibility/2006">
+        <mc:Choice xmlns:a14="http://schemas.microsoft.com/office/drawing/2010/main" Requires="a14">
           <p:sp>
             <p:nvSpPr>
               <p:cNvPr id="3" name="Объект 2"/>
@@ -14205,12 +14210,16 @@
                   <a:t>some variation </a:t>
                 </a:r>
                 <a:r>
-                  <a:rPr lang="en-US" dirty="0" err="1" smtClean="0"/>
-                  <a:t>os</a:t>
-                </a:r>
-                <a:r>
                   <a:rPr lang="en-US" dirty="0" smtClean="0"/>
-                  <a:t> such strategy  can be formalized as  we </a:t>
+                  <a:t>of </a:t>
+                </a:r>
+                <a:r>
+                  <a:rPr lang="en-US" dirty="0" smtClean="0"/>
+                  <a:t>such strategy  can be formalized as  </a:t>
+                </a:r>
+                <a:r>
+                  <a:rPr lang="en-US" dirty="0" smtClean="0"/>
+                  <a:t>the following. We </a:t>
                 </a:r>
                 <a:r>
                   <a:rPr lang="en-US" dirty="0"/>
@@ -14286,14 +14295,25 @@
                   <a:rPr lang="en-US" dirty="0" smtClean="0"/>
                   <a:t>with data </a:t>
                 </a:r>
-              </a:p>
-              <a:p>
-                <a:pPr marL="457200" lvl="1" indent="0">
-                  <a:buNone/>
-                </a:pPr>
                 <a:r>
                   <a:rPr lang="en-US" dirty="0" smtClean="0"/>
-                  <a:t>(we can call it </a:t>
+                  <a:t>.</a:t>
+                </a:r>
+                <a:r>
+                  <a:rPr lang="en-US" dirty="0"/>
+                  <a:t> </a:t>
+                </a:r>
+                <a:r>
+                  <a:rPr lang="en-US" dirty="0" smtClean="0"/>
+                  <a:t>W</a:t>
+                </a:r>
+                <a:r>
+                  <a:rPr lang="en-US" dirty="0" smtClean="0"/>
+                  <a:t>e </a:t>
+                </a:r>
+                <a:r>
+                  <a:rPr lang="en-US" dirty="0" smtClean="0"/>
+                  <a:t>can call it </a:t>
                 </a:r>
                 <a:r>
                   <a:rPr lang="en-US" b="1" dirty="0" smtClean="0"/>
@@ -14615,12 +14635,16 @@
                   <a:t> (optimization community or when optimization based model </a:t>
                 </a:r>
                 <a:r>
-                  <a:rPr lang="en-US" dirty="0" err="1" smtClean="0"/>
-                  <a:t>arrised</a:t>
+                  <a:rPr lang="en-US" dirty="0" err="1"/>
+                  <a:t>arised</a:t>
+                </a:r>
+                <a:r>
+                  <a:rPr lang="en-US" dirty="0"/>
+                  <a:t> in </a:t>
                 </a:r>
                 <a:r>
                   <a:rPr lang="en-US" dirty="0" smtClean="0"/>
-                  <a:t> in ML/AI)</a:t>
+                  <a:t>ML/AI)</a:t>
                 </a:r>
               </a:p>
               <a:p>
@@ -14781,16 +14805,10 @@
                 </a:r>
                 <a:endParaRPr lang="en-US" dirty="0" smtClean="0"/>
               </a:p>
-              <a:p>
-                <a:pPr marL="457200" lvl="1" indent="0">
-                  <a:buNone/>
-                </a:pPr>
-                <a:endParaRPr lang="en-US" dirty="0"/>
-              </a:p>
             </p:txBody>
           </p:sp>
         </mc:Choice>
-        <mc:Fallback xmlns="">
+        <mc:Fallback>
           <p:sp>
             <p:nvSpPr>
               <p:cNvPr id="3" name="Объект 2"/>
@@ -15028,7 +15046,6 @@
               <a:rPr lang="en-US" dirty="0" smtClean="0"/>
               <a:t>……………………………………..</a:t>
             </a:r>
-            <a:endParaRPr lang="en-US" dirty="0" smtClean="0"/>
           </a:p>
           <a:p>
             <a:pPr marL="925830" lvl="1" indent="-514350">
@@ -15165,11 +15182,7 @@
           <a:p>
             <a:r>
               <a:rPr lang="en-US" sz="3200" dirty="0" smtClean="0"/>
-              <a:t>Boosting. </a:t>
-            </a:r>
-            <a:r>
-              <a:rPr lang="en-US" sz="3200" dirty="0" smtClean="0"/>
-              <a:t>Only motivation</a:t>
+              <a:t>Boosting. Only motivation</a:t>
             </a:r>
             <a:endParaRPr lang="ru-RU" sz="3200" dirty="0"/>
           </a:p>
@@ -15220,11 +15233,7 @@
             </a:pPr>
             <a:r>
               <a:rPr lang="en-US" dirty="0" smtClean="0"/>
-              <a:t>Motivation</a:t>
-            </a:r>
-            <a:r>
-              <a:rPr lang="en-US" dirty="0" smtClean="0"/>
-              <a:t>: </a:t>
+              <a:t>Motivation: </a:t>
             </a:r>
             <a:r>
               <a:rPr lang="en-US" dirty="0"/>
@@ -15248,12 +15257,20 @@
               <a:t>But </a:t>
             </a:r>
             <a:r>
+              <a:rPr lang="en-US" dirty="0" smtClean="0">
+                <a:solidFill>
+                  <a:srgbClr val="FF0000"/>
+                </a:solidFill>
+              </a:rPr>
+              <a:t>now </a:t>
+            </a:r>
+            <a:r>
               <a:rPr lang="en-US" dirty="0">
                 <a:solidFill>
                   <a:srgbClr val="FF0000"/>
                 </a:solidFill>
               </a:rPr>
-              <a:t>know similarity </a:t>
+              <a:t>similarity </a:t>
             </a:r>
             <a:r>
               <a:rPr lang="en-US" dirty="0" smtClean="0">
@@ -15539,8 +15556,8 @@
           </a:p>
         </p:txBody>
       </p:sp>
-      <mc:AlternateContent xmlns:mc="http://schemas.openxmlformats.org/markup-compatibility/2006" xmlns:a14="http://schemas.microsoft.com/office/drawing/2010/main">
-        <mc:Choice Requires="a14">
+      <mc:AlternateContent xmlns:mc="http://schemas.openxmlformats.org/markup-compatibility/2006">
+        <mc:Choice xmlns:a14="http://schemas.microsoft.com/office/drawing/2010/main" Requires="a14">
           <p:sp>
             <p:nvSpPr>
               <p:cNvPr id="3" name="Объект 2"/>
@@ -16300,12 +16317,8 @@
                   <a:t>to handle </a:t>
                 </a:r>
                 <a:r>
-                  <a:rPr lang="en-US" sz="2200" dirty="0" err="1" smtClean="0"/>
-                  <a:t>uncertanty</a:t>
-                </a:r>
-                <a:r>
-                  <a:rPr lang="en-US" sz="2200" dirty="0" smtClean="0"/>
-                  <a:t> in</a:t>
+                  <a:rPr lang="en-US" sz="2200" dirty="0"/>
+                  <a:t>uncertainty in</a:t>
                 </a:r>
                 <a:r>
                   <a:rPr lang="en-US" sz="2200" i="1" dirty="0" smtClean="0"/>
@@ -16409,12 +16422,16 @@
                   <a:t>Even in such formalization we can not solve it exactly and </a:t>
                 </a:r>
                 <a:r>
-                  <a:rPr lang="en-US" sz="2200" dirty="0" err="1" smtClean="0"/>
-                  <a:t>efficency</a:t>
-                </a:r>
-                <a:r>
                   <a:rPr lang="en-US" sz="2200" dirty="0" smtClean="0"/>
-                  <a:t> - It is still hard combinatorial problem.</a:t>
+                  <a:t>efficiently </a:t>
+                </a:r>
+                <a:r>
+                  <a:rPr lang="en-US" sz="2200" dirty="0"/>
+                  <a:t>- </a:t>
+                </a:r>
+                <a:r>
+                  <a:rPr lang="en-US" sz="2200" dirty="0" smtClean="0"/>
+                  <a:t>It is still hard combinatorial problem.</a:t>
                 </a:r>
                 <a:r>
                   <a:rPr lang="en-US" sz="2200" dirty="0"/>
@@ -16436,7 +16453,7 @@
             </p:txBody>
           </p:sp>
         </mc:Choice>
-        <mc:Fallback xmlns="">
+        <mc:Fallback>
           <p:sp>
             <p:nvSpPr>
               <p:cNvPr id="3" name="Объект 2"/>
